--- a/assets/PosterTemplate.pptx
+++ b/assets/PosterTemplate.pptx
@@ -3993,8 +3993,8 @@
         </p:nvSpPr>
         <p:spPr>
           <a:xfrm>
-            <a:off x="838200" y="7620000"/>
-            <a:ext cx="8945880" cy="4687224"/>
+            <a:off x="838200" y="7376159"/>
+            <a:ext cx="8945880" cy="5278659"/>
           </a:xfrm>
           <a:prstGeom prst="rect">
             <a:avLst/>
@@ -4328,7 +4328,7 @@
         </p:nvSpPr>
         <p:spPr bwMode="auto">
           <a:xfrm>
-            <a:off x="10582848" y="20741640"/>
+            <a:off x="10530674" y="18445488"/>
             <a:ext cx="12043576" cy="1051560"/>
           </a:xfrm>
           <a:prstGeom prst="rect">
@@ -4409,8 +4409,8 @@
         </p:nvSpPr>
         <p:spPr>
           <a:xfrm>
-            <a:off x="10439400" y="22410421"/>
-            <a:ext cx="12043576" cy="10150890"/>
+            <a:off x="10439400" y="19497048"/>
+            <a:ext cx="12043576" cy="13064263"/>
           </a:xfrm>
           <a:prstGeom prst="rect">
             <a:avLst/>
@@ -4461,8 +4461,8 @@
         </p:nvSpPr>
         <p:spPr>
           <a:xfrm>
-            <a:off x="23088600" y="7557052"/>
-            <a:ext cx="8853914" cy="14007548"/>
+            <a:off x="23088600" y="7376160"/>
+            <a:ext cx="8853914" cy="14508480"/>
           </a:xfrm>
           <a:prstGeom prst="rect">
             <a:avLst/>
@@ -4514,7 +4514,7 @@
         <p:spPr>
           <a:xfrm>
             <a:off x="838200" y="14032154"/>
-            <a:ext cx="8945880" cy="3570914"/>
+            <a:ext cx="8945880" cy="6464218"/>
           </a:xfrm>
           <a:prstGeom prst="rect">
             <a:avLst/>
@@ -4549,7 +4549,7 @@
           <a:lstStyle/>
           <a:p>
             <a:pPr algn="ctr"/>
-            <a:endParaRPr lang="en-US">
+            <a:endParaRPr lang="en-US" dirty="0">
               <a:solidFill>
                 <a:schemeClr val="tx1"/>
               </a:solidFill>
@@ -4565,8 +4565,8 @@
         </p:nvSpPr>
         <p:spPr>
           <a:xfrm>
-            <a:off x="23088600" y="29337000"/>
-            <a:ext cx="8853914" cy="3224311"/>
+            <a:off x="23088600" y="27636530"/>
+            <a:ext cx="8853914" cy="4924782"/>
           </a:xfrm>
           <a:prstGeom prst="rect">
             <a:avLst/>
@@ -4617,8 +4617,8 @@
         </p:nvSpPr>
         <p:spPr>
           <a:xfrm>
-            <a:off x="23088600" y="23308671"/>
-            <a:ext cx="8853914" cy="3285130"/>
+            <a:off x="23088600" y="22927369"/>
+            <a:ext cx="8853914" cy="3895029"/>
           </a:xfrm>
           <a:prstGeom prst="rect">
             <a:avLst/>
@@ -4721,8 +4721,8 @@
         </p:nvSpPr>
         <p:spPr bwMode="auto">
           <a:xfrm>
-            <a:off x="838200" y="7927408"/>
-            <a:ext cx="8991599" cy="2671656"/>
+            <a:off x="939046" y="7918771"/>
+            <a:ext cx="8671568" cy="2671656"/>
           </a:xfrm>
           <a:prstGeom prst="rect">
             <a:avLst/>
@@ -4760,7 +4760,7 @@
         <p:spPr>
           <a:xfrm>
             <a:off x="870284" y="14184553"/>
-            <a:ext cx="8959516" cy="2664462"/>
+            <a:ext cx="8772145" cy="6111560"/>
           </a:xfrm>
           <a:prstGeom prst="rect">
             <a:avLst/>
@@ -4780,6 +4780,21 @@
               <a:rPr lang="en-US" sz="2800" b="0" dirty="0"/>
               <a:t>Lorem Ipsum is simply dummy text of the printing and typesetting industry. Lorem Ipsum has been the industry's standard dummy text ever since the 1500s, when an unknown printer took a galley of type and scrambled it to make a type specimen book. It has survived not only.</a:t>
             </a:r>
+          </a:p>
+          <a:p>
+            <a:pPr algn="just"/>
+            <a:endParaRPr lang="en-US" sz="2800" b="0" dirty="0"/>
+          </a:p>
+          <a:p>
+            <a:pPr algn="just"/>
+            <a:r>
+              <a:rPr lang="en-US" sz="2800" b="0" dirty="0"/>
+              <a:t>Lorem Ipsum is simply dummy text of the printing and typesetting industry. Lorem Ipsum has been the industry's standard dummy text ever since the 1500s, when an unknown printer took a galley of type and scrambled it to make a type specimen book. It has survived not only.</a:t>
+            </a:r>
+          </a:p>
+          <a:p>
+            <a:pPr algn="just"/>
+            <a:endParaRPr lang="en-US" sz="2800" b="0" dirty="0"/>
           </a:p>
         </p:txBody>
       </p:sp>
@@ -4829,65 +4844,13 @@
       </p:sp>
       <p:sp>
         <p:nvSpPr>
-          <p:cNvPr id="65" name="Rectangle 64"/>
-          <p:cNvSpPr/>
-          <p:nvPr/>
-        </p:nvSpPr>
-        <p:spPr>
-          <a:xfrm>
-            <a:off x="10582848" y="16489505"/>
-            <a:ext cx="12043576" cy="3828570"/>
-          </a:xfrm>
-          <a:prstGeom prst="rect">
-            <a:avLst/>
-          </a:prstGeom>
-          <a:solidFill>
-            <a:schemeClr val="bg1"/>
-          </a:solidFill>
-          <a:ln>
-            <a:solidFill>
-              <a:schemeClr val="bg1"/>
-            </a:solidFill>
-          </a:ln>
-        </p:spPr>
-        <p:style>
-          <a:lnRef idx="2">
-            <a:schemeClr val="accent1">
-              <a:shade val="50000"/>
-            </a:schemeClr>
-          </a:lnRef>
-          <a:fillRef idx="1">
-            <a:schemeClr val="accent1"/>
-          </a:fillRef>
-          <a:effectRef idx="0">
-            <a:schemeClr val="accent1"/>
-          </a:effectRef>
-          <a:fontRef idx="minor">
-            <a:schemeClr val="lt1"/>
-          </a:fontRef>
-        </p:style>
-        <p:txBody>
-          <a:bodyPr rtlCol="0" anchor="ctr"/>
-          <a:lstStyle/>
-          <a:p>
-            <a:pPr algn="ctr"/>
-            <a:endParaRPr lang="en-US">
-              <a:solidFill>
-                <a:schemeClr val="tx1"/>
-              </a:solidFill>
-            </a:endParaRPr>
-          </a:p>
-        </p:txBody>
-      </p:sp>
-      <p:sp>
-        <p:nvSpPr>
           <p:cNvPr id="67" name="TextBox 66"/>
           <p:cNvSpPr txBox="1"/>
           <p:nvPr/>
         </p:nvSpPr>
         <p:spPr>
           <a:xfrm>
-            <a:off x="10515600" y="16687800"/>
+            <a:off x="10519201" y="15403777"/>
             <a:ext cx="12039600" cy="2554545"/>
           </a:xfrm>
           <a:prstGeom prst="rect">
@@ -4947,8 +4910,8 @@
         </p:nvSpPr>
         <p:spPr>
           <a:xfrm>
-            <a:off x="10591800" y="27493266"/>
-            <a:ext cx="12039600" cy="2464408"/>
+            <a:off x="10491468" y="25750623"/>
+            <a:ext cx="11914933" cy="5803783"/>
           </a:xfrm>
           <a:prstGeom prst="rect">
             <a:avLst/>
@@ -5012,6 +4975,27 @@
               </a:rPr>
               <a:t> has been the industry's standard dummy text ever since the 1500s, when an unknown printer took a galley of type and scrambled it to make a type specimen book. It has survived not only.</a:t>
             </a:r>
+          </a:p>
+          <a:p>
+            <a:pPr algn="just" eaLnBrk="0" hangingPunct="0"/>
+            <a:endParaRPr lang="en-US" sz="3100" b="0" dirty="0">
+              <a:cs typeface="Arial" pitchFamily="34" charset="0"/>
+            </a:endParaRPr>
+          </a:p>
+          <a:p>
+            <a:pPr algn="just" eaLnBrk="0" hangingPunct="0"/>
+            <a:r>
+              <a:rPr lang="en-US" sz="3100" b="0" dirty="0">
+                <a:cs typeface="Arial" pitchFamily="34" charset="0"/>
+              </a:rPr>
+              <a:t>Lorem Ipsum is simply dummy text of the printing and typesetting industry. Lorem Ipsum has been the industry's standard dummy text ever since the 1500s, when an unknown printer took a galley of type and scrambled it to make a type specimen book. It has survived not only.</a:t>
+            </a:r>
+          </a:p>
+          <a:p>
+            <a:pPr algn="just" eaLnBrk="0" hangingPunct="0"/>
+            <a:endParaRPr lang="en-US" sz="3100" b="0" dirty="0">
+              <a:cs typeface="Arial" pitchFamily="34" charset="0"/>
+            </a:endParaRPr>
           </a:p>
         </p:txBody>
       </p:sp>
@@ -5278,7 +5262,7 @@
         </p:nvSpPr>
         <p:spPr>
           <a:xfrm>
-            <a:off x="23172157" y="23418705"/>
+            <a:off x="23126173" y="23624537"/>
             <a:ext cx="8686800" cy="2664462"/>
           </a:xfrm>
           <a:prstGeom prst="rect">
@@ -5337,8 +5321,8 @@
         </p:nvSpPr>
         <p:spPr>
           <a:xfrm>
-            <a:off x="23279947" y="18979247"/>
-            <a:ext cx="8435866" cy="2677656"/>
+            <a:off x="23240999" y="19244173"/>
+            <a:ext cx="8435866" cy="2246769"/>
           </a:xfrm>
           <a:prstGeom prst="rect">
             <a:avLst/>
@@ -5368,23 +5352,7 @@
             </a:r>
             <a:r>
               <a:rPr lang="en-US" sz="2800" b="0" dirty="0"/>
-              <a:t> is simply dummy text of the printing and typesetting industry. </a:t>
-            </a:r>
-            <a:r>
-              <a:rPr lang="en-US" sz="2800" b="0" dirty="0" err="1"/>
-              <a:t>Lorem</a:t>
-            </a:r>
-            <a:r>
-              <a:rPr lang="en-US" sz="2800" b="0" dirty="0"/>
-              <a:t> </a:t>
-            </a:r>
-            <a:r>
-              <a:rPr lang="en-US" sz="2800" b="0" dirty="0" err="1"/>
-              <a:t>Ipsum</a:t>
-            </a:r>
-            <a:r>
-              <a:rPr lang="en-US" sz="2800" b="0" dirty="0"/>
-              <a:t> has been the industry's standard dummy text ever since the 1500s, when an unknown printer took a galley of type and scrambled it to make a type specimen book. It has survived not only.</a:t>
+              <a:t> is simply dummy text of the printing and typesetting industry. Lorem Ipsum has been the industry's standard dummy text ever since the 1500s, when an unknown printer took a galley of type and scrambled it to</a:t>
             </a:r>
           </a:p>
         </p:txBody>
@@ -5399,7 +5367,7 @@
         </p:nvSpPr>
         <p:spPr bwMode="auto">
           <a:xfrm>
-            <a:off x="967139" y="18072130"/>
+            <a:off x="964446" y="21369172"/>
             <a:ext cx="8945880" cy="1051560"/>
           </a:xfrm>
           <a:prstGeom prst="rect">
@@ -5441,8 +5409,8 @@
         </p:nvSpPr>
         <p:spPr>
           <a:xfrm>
-            <a:off x="866293" y="19378883"/>
-            <a:ext cx="8945880" cy="13182427"/>
+            <a:off x="866293" y="22410420"/>
+            <a:ext cx="8945880" cy="10150890"/>
           </a:xfrm>
           <a:prstGeom prst="rect">
             <a:avLst/>
@@ -5493,7 +5461,7 @@
         </p:nvSpPr>
         <p:spPr>
           <a:xfrm>
-            <a:off x="862182" y="24528775"/>
+            <a:off x="717869" y="27466600"/>
             <a:ext cx="8931423" cy="2664462"/>
           </a:xfrm>
           <a:prstGeom prst="rect">
@@ -5517,16 +5485,189 @@
           </a:p>
         </p:txBody>
       </p:sp>
+      <p:sp>
+        <p:nvSpPr>
+          <p:cNvPr id="6" name="AutoShape 7" descr="data:image/png;base64,iVBORw0KGgoAAAANSUhEUgAAABoAAAFHCAIAAAAwT8sEAAAAzUlEQVR42u3VsQrCMBSG0VZuAw7dRIqI7/8+Qofu2e2UMb7EHSSePMA3/Cckc611yjuXKfXIycnJyQ2Ym1trtvuJXPTebSfnovyv7Oc8M3Pv/cjMPbcbWU+AHAoUcijI2g6FHAoUcmRR2A4FCtuRtR0KFLZDIUcWBQoUKGxHVg4FChQo5MiikEOBAgUKObIo5FCgkCMrhwKFHAqytkOBwnYo5MiisB0KFLYjazsUKGyHQm5E2bg/Xpm59Voyc6Us7p0XRY6s3GhfT0Qk5r6HUbMcGScWsQAAAABJRU5ErkJggg=="/>
+          <p:cNvSpPr>
+            <a:spLocks noChangeAspect="1" noChangeArrowheads="1"/>
+          </p:cNvSpPr>
+          <p:nvPr/>
+        </p:nvSpPr>
+        <p:spPr bwMode="auto">
+          <a:xfrm>
+            <a:off x="307975" y="7937"/>
+            <a:ext cx="304800" cy="304801"/>
+          </a:xfrm>
+          <a:prstGeom prst="rect">
+            <a:avLst/>
+          </a:prstGeom>
+          <a:noFill/>
+          <a:extLst>
+            <a:ext uri="{909E8E84-426E-40dd-AFC4-6F175D3DCCD1}">
+              <a14:hiddenFill xmlns="" xmlns:a14="http://schemas.microsoft.com/office/drawing/2010/main">
+                <a:solidFill>
+                  <a:srgbClr val="FFFFFF"/>
+                </a:solidFill>
+              </a14:hiddenFill>
+            </a:ext>
+          </a:extLst>
+        </p:spPr>
+        <p:txBody>
+          <a:bodyPr vert="horz" wrap="square" lIns="91440" tIns="45720" rIns="91440" bIns="45720" numCol="1" anchor="t" anchorCtr="0" compatLnSpc="1">
+            <a:prstTxWarp prst="textNoShape">
+              <a:avLst/>
+            </a:prstTxWarp>
+          </a:bodyPr>
+          <a:lstStyle/>
+          <a:p>
+            <a:endParaRPr lang="en-US"/>
+          </a:p>
+        </p:txBody>
+      </p:sp>
+      <p:sp>
+        <p:nvSpPr>
+          <p:cNvPr id="8" name="AutoShape 9" descr="data:image/png;base64,iVBORw0KGgoAAAANSUhEUgAAABoAAAFHCAIAAAAwT8sEAAABFElEQVR42u3YsWrCUACF4ZvmNtDBQbClFHHrS/i+Po2j0ME9ex3aUEJMX+IMUb88wA+e7yZRm77vS+56KtFLTk5OTu4Oc80wDLZbRK7O82w7OQflcWW/L5dk7vR1Tua27xuyHgFyKFDIoSBrOxRyKFDIkUVhOxQobEfWdihQ2A6FHFkUKFCgsB1ZuQVQXF8Pydy8OiZzzaIpSilBjYUf43EcowcleozrNE1JCs87N5kcChRyKB6Vom3b5Ietv/voN6hxHc39fEZl/7bRXz3XthQ3mf8C5FCgkCOLwnYo5FCQtR0KFLZDIUcWhe1QoLAdWRQoUKBAIXfjsvXtY5fMrV66ZK7rnp07TxQ5snL39uqptQZz/2+XyQbPbrVSAAAAAElFTkSuQmCC"/>
+          <p:cNvSpPr>
+            <a:spLocks noChangeAspect="1" noChangeArrowheads="1"/>
+          </p:cNvSpPr>
+          <p:nvPr/>
+        </p:nvSpPr>
+        <p:spPr bwMode="auto">
+          <a:xfrm>
+            <a:off x="460375" y="160337"/>
+            <a:ext cx="304800" cy="304801"/>
+          </a:xfrm>
+          <a:prstGeom prst="rect">
+            <a:avLst/>
+          </a:prstGeom>
+          <a:noFill/>
+          <a:extLst>
+            <a:ext uri="{909E8E84-426E-40dd-AFC4-6F175D3DCCD1}">
+              <a14:hiddenFill xmlns="" xmlns:a14="http://schemas.microsoft.com/office/drawing/2010/main">
+                <a:solidFill>
+                  <a:srgbClr val="FFFFFF"/>
+                </a:solidFill>
+              </a14:hiddenFill>
+            </a:ext>
+          </a:extLst>
+        </p:spPr>
+        <p:txBody>
+          <a:bodyPr vert="horz" wrap="square" lIns="91440" tIns="45720" rIns="91440" bIns="45720" numCol="1" anchor="t" anchorCtr="0" compatLnSpc="1">
+            <a:prstTxWarp prst="textNoShape">
+              <a:avLst/>
+            </a:prstTxWarp>
+          </a:bodyPr>
+          <a:lstStyle/>
+          <a:p>
+            <a:endParaRPr lang="en-US"/>
+          </a:p>
+        </p:txBody>
+      </p:sp>
+      <p:sp>
+        <p:nvSpPr>
+          <p:cNvPr id="48" name="TextBox 47"/>
+          <p:cNvSpPr txBox="1"/>
+          <p:nvPr/>
+        </p:nvSpPr>
+        <p:spPr>
+          <a:xfrm>
+            <a:off x="23548974" y="28428892"/>
+            <a:ext cx="8226425" cy="2664462"/>
+          </a:xfrm>
+          <a:prstGeom prst="rect">
+            <a:avLst/>
+          </a:prstGeom>
+          <a:solidFill>
+            <a:srgbClr val="FFFFFF"/>
+          </a:solidFill>
+        </p:spPr>
+        <p:txBody>
+          <a:bodyPr wrap="square" lIns="78373" tIns="39187" rIns="78373" bIns="39187">
+            <a:spAutoFit/>
+          </a:bodyPr>
+          <a:lstStyle/>
+          <a:p>
+            <a:r>
+              <a:rPr lang="en-US" sz="2800" b="0" dirty="0" err="1"/>
+              <a:t>Lorem</a:t>
+            </a:r>
+            <a:r>
+              <a:rPr lang="en-US" sz="2800" b="0" dirty="0"/>
+              <a:t> </a:t>
+            </a:r>
+            <a:r>
+              <a:rPr lang="en-US" sz="2800" b="0" dirty="0" err="1"/>
+              <a:t>Ipsum</a:t>
+            </a:r>
+            <a:r>
+              <a:rPr lang="en-US" sz="2800" b="0" dirty="0"/>
+              <a:t> is simply dummy text of the printing and typesetting industry. </a:t>
+            </a:r>
+            <a:r>
+              <a:rPr lang="en-US" sz="2800" b="0" dirty="0" err="1"/>
+              <a:t>Lorem</a:t>
+            </a:r>
+            <a:r>
+              <a:rPr lang="en-US" sz="2800" b="0" dirty="0"/>
+              <a:t> </a:t>
+            </a:r>
+            <a:r>
+              <a:rPr lang="en-US" sz="2800" b="0" dirty="0" err="1"/>
+              <a:t>Ipsum</a:t>
+            </a:r>
+            <a:r>
+              <a:rPr lang="en-US" sz="2800" b="0" dirty="0"/>
+              <a:t> has been the industry's standard dummy text ever since the 1500s, when an unknown printer took a galley of type and scrambled it to make a type specimen book. It has survived not only.</a:t>
+            </a:r>
+          </a:p>
+        </p:txBody>
+      </p:sp>
       <p:pic>
         <p:nvPicPr>
-          <p:cNvPr id="1028" name="Picture 4"/>
+          <p:cNvPr id="49" name="Picture 48"/>
+          <p:cNvPicPr>
+            <a:picLocks noChangeAspect="1"/>
+          </p:cNvPicPr>
+          <p:nvPr/>
+        </p:nvPicPr>
+        <p:blipFill>
+          <a:blip r:embed="rId3" cstate="print">
+            <a:extLst>
+              <a:ext uri="{28A0092B-C50C-407E-A947-70E740481C1C}">
+                <a14:useLocalDpi xmlns:a14="http://schemas.microsoft.com/office/drawing/2010/main" val="0"/>
+              </a:ext>
+            </a:extLst>
+          </a:blip>
+          <a:stretch>
+            <a:fillRect/>
+          </a:stretch>
+        </p:blipFill>
+        <p:spPr>
+          <a:xfrm>
+            <a:off x="1140604" y="1158999"/>
+            <a:ext cx="8155796" cy="1812801"/>
+          </a:xfrm>
+          <a:prstGeom prst="rect">
+            <a:avLst/>
+          </a:prstGeom>
+        </p:spPr>
+      </p:pic>
+      <p:pic>
+        <p:nvPicPr>
+          <p:cNvPr id="7" name="Picture 4">
+            <a:extLst>
+              <a:ext uri="{FF2B5EF4-FFF2-40B4-BE49-F238E27FC236}">
+                <a16:creationId xmlns:a16="http://schemas.microsoft.com/office/drawing/2014/main" id="{EEDDA4ED-331D-2313-66AD-15B3F919D1B5}"/>
+              </a:ext>
+            </a:extLst>
+          </p:cNvPr>
           <p:cNvPicPr>
             <a:picLocks noChangeAspect="1" noChangeArrowheads="1"/>
           </p:cNvPicPr>
           <p:nvPr/>
         </p:nvPicPr>
         <p:blipFill>
-          <a:blip r:embed="rId3">
+          <a:blip r:embed="rId4">
             <a:extLst>
               <a:ext uri="{28A0092B-C50C-407E-A947-70E740481C1C}">
                 <a14:useLocalDpi xmlns:a14="http://schemas.microsoft.com/office/drawing/2010/main" val="0"/>
@@ -5540,8 +5681,8 @@
         </p:blipFill>
         <p:spPr bwMode="auto">
           <a:xfrm>
-            <a:off x="10668000" y="22771428"/>
-            <a:ext cx="11671580" cy="4520803"/>
+            <a:off x="847514" y="23152611"/>
+            <a:ext cx="8884287" cy="3441189"/>
           </a:xfrm>
           <a:prstGeom prst="rect">
             <a:avLst/>
@@ -5573,139 +5714,13 @@
       </p:pic>
       <p:pic>
         <p:nvPicPr>
-          <p:cNvPr id="1029" name="Picture 5"/>
-          <p:cNvPicPr>
-            <a:picLocks noChangeAspect="1" noChangeArrowheads="1"/>
-          </p:cNvPicPr>
-          <p:nvPr/>
-        </p:nvPicPr>
-        <p:blipFill>
-          <a:blip r:embed="rId4">
+          <p:cNvPr id="1026" name="Picture 2" descr="What Is A Data Pipeline? Considerations &amp; Examples | Hazelcast">
             <a:extLst>
-              <a:ext uri="{28A0092B-C50C-407E-A947-70E740481C1C}">
-                <a14:useLocalDpi xmlns:a14="http://schemas.microsoft.com/office/drawing/2010/main" val="0"/>
+              <a:ext uri="{FF2B5EF4-FFF2-40B4-BE49-F238E27FC236}">
+                <a16:creationId xmlns:a16="http://schemas.microsoft.com/office/drawing/2014/main" id="{BA2C4937-562F-A49B-4A11-AA121FAF8241}"/>
               </a:ext>
             </a:extLst>
-          </a:blip>
-          <a:srcRect/>
-          <a:stretch>
-            <a:fillRect/>
-          </a:stretch>
-        </p:blipFill>
-        <p:spPr bwMode="auto">
-          <a:xfrm>
-            <a:off x="11681232" y="7763489"/>
-            <a:ext cx="9686352" cy="8095023"/>
-          </a:xfrm>
-          <a:prstGeom prst="rect">
-            <a:avLst/>
-          </a:prstGeom>
-          <a:noFill/>
-          <a:ln>
-            <a:noFill/>
-          </a:ln>
-          <a:extLst>
-            <a:ext uri="{909E8E84-426E-40dd-AFC4-6F175D3DCCD1}">
-              <a14:hiddenFill xmlns="" xmlns:a14="http://schemas.microsoft.com/office/drawing/2010/main">
-                <a:solidFill>
-                  <a:schemeClr val="accent1"/>
-                </a:solidFill>
-              </a14:hiddenFill>
-            </a:ext>
-            <a:ext uri="{91240B29-F687-4f45-9708-019B960494DF}">
-              <a14:hiddenLine xmlns="" xmlns:a14="http://schemas.microsoft.com/office/drawing/2010/main" w="9525">
-                <a:solidFill>
-                  <a:schemeClr val="tx1"/>
-                </a:solidFill>
-                <a:miter lim="800000"/>
-                <a:headEnd/>
-                <a:tailEnd/>
-              </a14:hiddenLine>
-            </a:ext>
-          </a:extLst>
-        </p:spPr>
-      </p:pic>
-      <p:sp>
-        <p:nvSpPr>
-          <p:cNvPr id="6" name="AutoShape 7" descr="data:image/png;base64,iVBORw0KGgoAAAANSUhEUgAAABoAAAFHCAIAAAAwT8sEAAAAzUlEQVR42u3VsQrCMBSG0VZuAw7dRIqI7/8+Qofu2e2UMb7EHSSePMA3/Cckc611yjuXKfXIycnJyQ2Ym1trtvuJXPTebSfnovyv7Oc8M3Pv/cjMPbcbWU+AHAoUcijI2g6FHAoUcmRR2A4FCtuRtR0KFLZDIUcWBQoUKGxHVg4FChQo5MiikEOBAgUKObIo5FCgkCMrhwKFHAqytkOBwnYo5MiisB0KFLYjazsUKGyHQm5E2bg/Xpm59Voyc6Us7p0XRY6s3GhfT0Qk5r6HUbMcGScWsQAAAABJRU5ErkJggg=="/>
-          <p:cNvSpPr>
-            <a:spLocks noChangeAspect="1" noChangeArrowheads="1"/>
-          </p:cNvSpPr>
-          <p:nvPr/>
-        </p:nvSpPr>
-        <p:spPr bwMode="auto">
-          <a:xfrm>
-            <a:off x="307975" y="7937"/>
-            <a:ext cx="304800" cy="304801"/>
-          </a:xfrm>
-          <a:prstGeom prst="rect">
-            <a:avLst/>
-          </a:prstGeom>
-          <a:noFill/>
-          <a:extLst>
-            <a:ext uri="{909E8E84-426E-40dd-AFC4-6F175D3DCCD1}">
-              <a14:hiddenFill xmlns="" xmlns:a14="http://schemas.microsoft.com/office/drawing/2010/main">
-                <a:solidFill>
-                  <a:srgbClr val="FFFFFF"/>
-                </a:solidFill>
-              </a14:hiddenFill>
-            </a:ext>
-          </a:extLst>
-        </p:spPr>
-        <p:txBody>
-          <a:bodyPr vert="horz" wrap="square" lIns="91440" tIns="45720" rIns="91440" bIns="45720" numCol="1" anchor="t" anchorCtr="0" compatLnSpc="1">
-            <a:prstTxWarp prst="textNoShape">
-              <a:avLst/>
-            </a:prstTxWarp>
-          </a:bodyPr>
-          <a:lstStyle/>
-          <a:p>
-            <a:endParaRPr lang="en-US"/>
-          </a:p>
-        </p:txBody>
-      </p:sp>
-      <p:sp>
-        <p:nvSpPr>
-          <p:cNvPr id="8" name="AutoShape 9" descr="data:image/png;base64,iVBORw0KGgoAAAANSUhEUgAAABoAAAFHCAIAAAAwT8sEAAABFElEQVR42u3YsWrCUACF4ZvmNtDBQbClFHHrS/i+Po2j0ME9ex3aUEJMX+IMUb88wA+e7yZRm77vS+56KtFLTk5OTu4Oc80wDLZbRK7O82w7OQflcWW/L5dk7vR1Tua27xuyHgFyKFDIoSBrOxRyKFDIkUVhOxQobEfWdihQ2A6FHFkUKFCgsB1ZuQVQXF8Pydy8OiZzzaIpSilBjYUf43EcowcleozrNE1JCs87N5kcChRyKB6Vom3b5Ietv/voN6hxHc39fEZl/7bRXz3XthQ3mf8C5FCgkCOLwnYo5FCQtR0KFLZDIUcWhe1QoLAdWRQoUKBAIXfjsvXtY5fMrV66ZK7rnp07TxQ5snL39uqptQZz/2+XyQbPbrVSAAAAAElFTkSuQmCC"/>
-          <p:cNvSpPr>
-            <a:spLocks noChangeAspect="1" noChangeArrowheads="1"/>
-          </p:cNvSpPr>
-          <p:nvPr/>
-        </p:nvSpPr>
-        <p:spPr bwMode="auto">
-          <a:xfrm>
-            <a:off x="460375" y="160337"/>
-            <a:ext cx="304800" cy="304801"/>
-          </a:xfrm>
-          <a:prstGeom prst="rect">
-            <a:avLst/>
-          </a:prstGeom>
-          <a:noFill/>
-          <a:extLst>
-            <a:ext uri="{909E8E84-426E-40dd-AFC4-6F175D3DCCD1}">
-              <a14:hiddenFill xmlns="" xmlns:a14="http://schemas.microsoft.com/office/drawing/2010/main">
-                <a:solidFill>
-                  <a:srgbClr val="FFFFFF"/>
-                </a:solidFill>
-              </a14:hiddenFill>
-            </a:ext>
-          </a:extLst>
-        </p:spPr>
-        <p:txBody>
-          <a:bodyPr vert="horz" wrap="square" lIns="91440" tIns="45720" rIns="91440" bIns="45720" numCol="1" anchor="t" anchorCtr="0" compatLnSpc="1">
-            <a:prstTxWarp prst="textNoShape">
-              <a:avLst/>
-            </a:prstTxWarp>
-          </a:bodyPr>
-          <a:lstStyle/>
-          <a:p>
-            <a:endParaRPr lang="en-US"/>
-          </a:p>
-        </p:txBody>
-      </p:sp>
-      <p:pic>
-        <p:nvPicPr>
-          <p:cNvPr id="1035" name="Picture 11"/>
+          </p:cNvPr>
           <p:cNvPicPr>
             <a:picLocks noChangeAspect="1" noChangeArrowheads="1"/>
           </p:cNvPicPr>
@@ -5726,47 +5741,85 @@
         </p:blipFill>
         <p:spPr bwMode="auto">
           <a:xfrm>
-            <a:off x="23241000" y="15163800"/>
-            <a:ext cx="8454916" cy="3717155"/>
+            <a:off x="10858500" y="8586391"/>
+            <a:ext cx="11201400" cy="5278660"/>
           </a:xfrm>
           <a:prstGeom prst="rect">
             <a:avLst/>
           </a:prstGeom>
           <a:noFill/>
-          <a:ln>
-            <a:noFill/>
-          </a:ln>
           <a:extLst>
-            <a:ext uri="{909E8E84-426E-40dd-AFC4-6F175D3DCCD1}">
-              <a14:hiddenFill xmlns="" xmlns:a14="http://schemas.microsoft.com/office/drawing/2010/main">
+            <a:ext uri="{909E8E84-426E-40DD-AFC4-6F175D3DCCD1}">
+              <a14:hiddenFill xmlns:a14="http://schemas.microsoft.com/office/drawing/2010/main">
                 <a:solidFill>
-                  <a:schemeClr val="accent1"/>
+                  <a:srgbClr val="FFFFFF"/>
                 </a:solidFill>
               </a14:hiddenFill>
             </a:ext>
-            <a:ext uri="{91240B29-F687-4f45-9708-019B960494DF}">
-              <a14:hiddenLine xmlns="" xmlns:a14="http://schemas.microsoft.com/office/drawing/2010/main" w="9525">
-                <a:solidFill>
-                  <a:schemeClr val="tx1"/>
-                </a:solidFill>
-                <a:miter lim="800000"/>
-                <a:headEnd/>
-                <a:tailEnd/>
-              </a14:hiddenLine>
-            </a:ext>
           </a:extLst>
         </p:spPr>
       </p:pic>
       <p:pic>
         <p:nvPicPr>
-          <p:cNvPr id="1036" name="Picture 12"/>
+          <p:cNvPr id="1032" name="Picture 8" descr="What the F*CK is a Neural Network? | by Giovanni De Geronimo | Medium">
+            <a:extLst>
+              <a:ext uri="{FF2B5EF4-FFF2-40B4-BE49-F238E27FC236}">
+                <a16:creationId xmlns:a16="http://schemas.microsoft.com/office/drawing/2014/main" id="{84977D41-3D52-3A43-0261-96A47705EF35}"/>
+              </a:ext>
+            </a:extLst>
+          </p:cNvPr>
+          <p:cNvPicPr>
+            <a:picLocks noChangeAspect="1" noChangeArrowheads="1"/>
+          </p:cNvPicPr>
+          <p:nvPr/>
+        </p:nvPicPr>
+        <p:blipFill rotWithShape="1">
+          <a:blip r:embed="rId6">
+            <a:extLst>
+              <a:ext uri="{28A0092B-C50C-407E-A947-70E740481C1C}">
+                <a14:useLocalDpi xmlns:a14="http://schemas.microsoft.com/office/drawing/2010/main" val="0"/>
+              </a:ext>
+            </a:extLst>
+          </a:blip>
+          <a:srcRect b="7330"/>
+          <a:stretch/>
+        </p:blipFill>
+        <p:spPr bwMode="auto">
+          <a:xfrm>
+            <a:off x="12597996" y="20367558"/>
+            <a:ext cx="8202178" cy="4972293"/>
+          </a:xfrm>
+          <a:prstGeom prst="rect">
+            <a:avLst/>
+          </a:prstGeom>
+          <a:noFill/>
+          <a:extLst>
+            <a:ext uri="{909E8E84-426E-40DD-AFC4-6F175D3DCCD1}">
+              <a14:hiddenFill xmlns:a14="http://schemas.microsoft.com/office/drawing/2010/main">
+                <a:solidFill>
+                  <a:srgbClr val="FFFFFF"/>
+                </a:solidFill>
+              </a14:hiddenFill>
+            </a:ext>
+          </a:extLst>
+        </p:spPr>
+      </p:pic>
+      <p:pic>
+        <p:nvPicPr>
+          <p:cNvPr id="10" name="Picture 12" descr="Classification Results of Machine Learning Algorithms | Download Table">
+            <a:extLst>
+              <a:ext uri="{FF2B5EF4-FFF2-40B4-BE49-F238E27FC236}">
+                <a16:creationId xmlns:a16="http://schemas.microsoft.com/office/drawing/2014/main" id="{64F675C9-E562-1909-9BD0-6BA659C49B89}"/>
+              </a:ext>
+            </a:extLst>
+          </p:cNvPr>
           <p:cNvPicPr>
             <a:picLocks noChangeAspect="1" noChangeArrowheads="1"/>
           </p:cNvPicPr>
           <p:nvPr/>
         </p:nvPicPr>
         <p:blipFill>
-          <a:blip r:embed="rId6">
+          <a:blip r:embed="rId7">
             <a:extLst>
               <a:ext uri="{28A0092B-C50C-407E-A947-70E740481C1C}">
                 <a14:useLocalDpi xmlns:a14="http://schemas.microsoft.com/office/drawing/2010/main" val="0"/>
@@ -5780,148 +5833,116 @@
         </p:blipFill>
         <p:spPr bwMode="auto">
           <a:xfrm>
-            <a:off x="23241000" y="7763489"/>
-            <a:ext cx="8454916" cy="7400311"/>
+            <a:off x="23232277" y="7725220"/>
+            <a:ext cx="8626679" cy="6820151"/>
           </a:xfrm>
           <a:prstGeom prst="rect">
             <a:avLst/>
           </a:prstGeom>
           <a:noFill/>
-          <a:ln>
-            <a:noFill/>
-          </a:ln>
           <a:extLst>
-            <a:ext uri="{909E8E84-426E-40dd-AFC4-6F175D3DCCD1}">
-              <a14:hiddenFill xmlns="" xmlns:a14="http://schemas.microsoft.com/office/drawing/2010/main">
+            <a:ext uri="{909E8E84-426E-40DD-AFC4-6F175D3DCCD1}">
+              <a14:hiddenFill xmlns:a14="http://schemas.microsoft.com/office/drawing/2010/main">
                 <a:solidFill>
-                  <a:schemeClr val="accent1"/>
+                  <a:srgbClr val="FFFFFF"/>
                 </a:solidFill>
               </a14:hiddenFill>
             </a:ext>
-            <a:ext uri="{91240B29-F687-4f45-9708-019B960494DF}">
-              <a14:hiddenLine xmlns="" xmlns:a14="http://schemas.microsoft.com/office/drawing/2010/main" w="9525">
-                <a:solidFill>
-                  <a:schemeClr val="tx1"/>
-                </a:solidFill>
-                <a:miter lim="800000"/>
-                <a:headEnd/>
-                <a:tailEnd/>
-              </a14:hiddenLine>
-            </a:ext>
           </a:extLst>
         </p:spPr>
       </p:pic>
-      <p:sp>
-        <p:nvSpPr>
-          <p:cNvPr id="48" name="TextBox 47"/>
-          <p:cNvSpPr txBox="1"/>
-          <p:nvPr/>
-        </p:nvSpPr>
-        <p:spPr>
-          <a:xfrm>
-            <a:off x="23088600" y="28428892"/>
-            <a:ext cx="8686800" cy="2664462"/>
-          </a:xfrm>
-          <a:prstGeom prst="rect">
-            <a:avLst/>
-          </a:prstGeom>
-          <a:solidFill>
-            <a:srgbClr val="FFFFFF"/>
-          </a:solidFill>
-        </p:spPr>
-        <p:txBody>
-          <a:bodyPr wrap="square" lIns="78373" tIns="39187" rIns="78373" bIns="39187">
-            <a:spAutoFit/>
-          </a:bodyPr>
-          <a:lstStyle/>
-          <a:p>
-            <a:r>
-              <a:rPr lang="en-US" sz="2800" b="0" dirty="0" err="1"/>
-              <a:t>Lorem</a:t>
-            </a:r>
-            <a:r>
-              <a:rPr lang="en-US" sz="2800" b="0" dirty="0"/>
-              <a:t> </a:t>
-            </a:r>
-            <a:r>
-              <a:rPr lang="en-US" sz="2800" b="0" dirty="0" err="1"/>
-              <a:t>Ipsum</a:t>
-            </a:r>
-            <a:r>
-              <a:rPr lang="en-US" sz="2800" b="0" dirty="0"/>
-              <a:t> is simply dummy text of the printing and typesetting industry. </a:t>
-            </a:r>
-            <a:r>
-              <a:rPr lang="en-US" sz="2800" b="0" dirty="0" err="1"/>
-              <a:t>Lorem</a:t>
-            </a:r>
-            <a:r>
-              <a:rPr lang="en-US" sz="2800" b="0" dirty="0"/>
-              <a:t> </a:t>
-            </a:r>
-            <a:r>
-              <a:rPr lang="en-US" sz="2800" b="0" dirty="0" err="1"/>
-              <a:t>Ipsum</a:t>
-            </a:r>
-            <a:r>
-              <a:rPr lang="en-US" sz="2800" b="0" dirty="0"/>
-              <a:t> has been the industry's standard dummy text ever since the 1500s, when an unknown printer took a galley of type and scrambled it to make a type specimen book. It has survived not only.</a:t>
-            </a:r>
-          </a:p>
-        </p:txBody>
-      </p:sp>
       <p:pic>
         <p:nvPicPr>
-          <p:cNvPr id="49" name="Picture 48"/>
+          <p:cNvPr id="1038" name="Picture 14" descr="VLFeat - Tutorials &gt; Plotting AP and ROC curves">
+            <a:extLst>
+              <a:ext uri="{FF2B5EF4-FFF2-40B4-BE49-F238E27FC236}">
+                <a16:creationId xmlns:a16="http://schemas.microsoft.com/office/drawing/2014/main" id="{51CD969C-6CE0-0248-42C5-B68706116859}"/>
+              </a:ext>
+            </a:extLst>
+          </p:cNvPr>
           <p:cNvPicPr>
-            <a:picLocks noChangeAspect="1"/>
+            <a:picLocks noChangeAspect="1" noChangeArrowheads="1"/>
           </p:cNvPicPr>
           <p:nvPr/>
         </p:nvPicPr>
         <p:blipFill>
-          <a:blip r:embed="rId7" cstate="print">
+          <a:blip r:embed="rId8">
             <a:extLst>
               <a:ext uri="{28A0092B-C50C-407E-A947-70E740481C1C}">
                 <a14:useLocalDpi xmlns:a14="http://schemas.microsoft.com/office/drawing/2010/main" val="0"/>
               </a:ext>
             </a:extLst>
           </a:blip>
+          <a:srcRect/>
           <a:stretch>
             <a:fillRect/>
           </a:stretch>
         </p:blipFill>
-        <p:spPr>
-          <a:xfrm>
-            <a:off x="1140604" y="1158999"/>
-            <a:ext cx="8155796" cy="1812801"/>
+        <p:spPr bwMode="auto">
+          <a:xfrm>
+            <a:off x="23206877" y="14915041"/>
+            <a:ext cx="3888580" cy="4061406"/>
           </a:xfrm>
           <a:prstGeom prst="rect">
             <a:avLst/>
           </a:prstGeom>
+          <a:noFill/>
+          <a:extLst>
+            <a:ext uri="{909E8E84-426E-40DD-AFC4-6F175D3DCCD1}">
+              <a14:hiddenFill xmlns:a14="http://schemas.microsoft.com/office/drawing/2010/main">
+                <a:solidFill>
+                  <a:srgbClr val="FFFFFF"/>
+                </a:solidFill>
+              </a14:hiddenFill>
+            </a:ext>
+          </a:extLst>
         </p:spPr>
       </p:pic>
       <p:pic>
         <p:nvPicPr>
-          <p:cNvPr id="4" name="Picture 3"/>
+          <p:cNvPr id="1040" name="Picture 16" descr="VLFeat - Tutorials &gt; Plotting AP and ROC curves">
+            <a:extLst>
+              <a:ext uri="{FF2B5EF4-FFF2-40B4-BE49-F238E27FC236}">
+                <a16:creationId xmlns:a16="http://schemas.microsoft.com/office/drawing/2014/main" id="{D71456AA-367B-CC0B-8175-6408F025C57E}"/>
+              </a:ext>
+            </a:extLst>
+          </p:cNvPr>
           <p:cNvPicPr>
-            <a:picLocks noChangeAspect="1"/>
+            <a:picLocks noChangeAspect="1" noChangeArrowheads="1"/>
           </p:cNvPicPr>
           <p:nvPr/>
         </p:nvPicPr>
         <p:blipFill>
-          <a:blip r:embed="rId8"/>
+          <a:blip r:embed="rId8">
+            <a:extLst>
+              <a:ext uri="{28A0092B-C50C-407E-A947-70E740481C1C}">
+                <a14:useLocalDpi xmlns:a14="http://schemas.microsoft.com/office/drawing/2010/main" val="0"/>
+              </a:ext>
+            </a:extLst>
+          </a:blip>
+          <a:srcRect/>
           <a:stretch>
             <a:fillRect/>
           </a:stretch>
         </p:blipFill>
-        <p:spPr>
-          <a:xfrm>
-            <a:off x="870283" y="19432342"/>
-            <a:ext cx="8857349" cy="5027355"/>
+        <p:spPr bwMode="auto">
+          <a:xfrm>
+            <a:off x="27763593" y="14986604"/>
+            <a:ext cx="3669709" cy="3832807"/>
           </a:xfrm>
           <a:prstGeom prst="rect">
             <a:avLst/>
           </a:prstGeom>
+          <a:noFill/>
+          <a:extLst>
+            <a:ext uri="{909E8E84-426E-40DD-AFC4-6F175D3DCCD1}">
+              <a14:hiddenFill xmlns:a14="http://schemas.microsoft.com/office/drawing/2010/main">
+                <a:solidFill>
+                  <a:srgbClr val="FFFFFF"/>
+                </a:solidFill>
+              </a14:hiddenFill>
+            </a:ext>
+          </a:extLst>
         </p:spPr>
       </p:pic>
     </p:spTree>
